--- a/noLimit (Team-2).pptx
+++ b/noLimit (Team-2).pptx
@@ -8,9 +8,12 @@
     <p:sldId id="256" r:id="rId2"/>
     <p:sldId id="257" r:id="rId3"/>
     <p:sldId id="258" r:id="rId4"/>
-    <p:sldId id="260" r:id="rId5"/>
-    <p:sldId id="259" r:id="rId6"/>
-    <p:sldId id="261" r:id="rId7"/>
+    <p:sldId id="262" r:id="rId5"/>
+    <p:sldId id="263" r:id="rId6"/>
+    <p:sldId id="264" r:id="rId7"/>
+    <p:sldId id="260" r:id="rId8"/>
+    <p:sldId id="259" r:id="rId9"/>
+    <p:sldId id="261" r:id="rId10"/>
   </p:sldIdLst>
   <p:sldSz cx="12192000" cy="6858000"/>
   <p:notesSz cx="6858000" cy="9144000"/>
@@ -109,6 +112,11 @@
       </a:defRPr>
     </a:lvl9pPr>
   </p:defaultTextStyle>
+  <p:extLst>
+    <p:ext uri="{EFAFB233-063F-42B5-8137-9DF3F51BA10A}">
+      <p15:sldGuideLst xmlns:p15="http://schemas.microsoft.com/office/powerpoint/2012/main"/>
+    </p:ext>
+  </p:extLst>
 </p:presentation>
 </file>
 
@@ -5823,18 +5831,18 @@
               <a:t>Monique </a:t>
             </a:r>
             <a:r>
-              <a:rPr lang="en-US" dirty="0" err="1" smtClean="0"/>
-              <a:t>Shontande</a:t>
-            </a:r>
-            <a:r>
               <a:rPr lang="en-US" dirty="0" smtClean="0"/>
-              <a:t> (Grandmaster)</a:t>
+              <a:t>Shotande </a:t>
             </a:r>
           </a:p>
           <a:p>
             <a:r>
               <a:rPr lang="en-US" dirty="0" smtClean="0"/>
-              <a:t>Michael Dennis</a:t>
+              <a:t>Michael </a:t>
+            </a:r>
+            <a:r>
+              <a:rPr lang="en-US" dirty="0" smtClean="0"/>
+              <a:t>Dennis</a:t>
             </a:r>
           </a:p>
           <a:p>
@@ -5937,7 +5945,7 @@
           <a:p>
             <a:r>
               <a:rPr lang="en-US" sz="2800" dirty="0" smtClean="0"/>
-              <a:t>Why is our app called </a:t>
+              <a:t>Why </a:t>
             </a:r>
             <a:r>
               <a:rPr lang="en-US" sz="2800" dirty="0" err="1" smtClean="0"/>
@@ -5951,14 +5959,16 @@
           <a:p>
             <a:r>
               <a:rPr lang="en-US" sz="2800" dirty="0" smtClean="0"/>
-              <a:t>How can we improve the conditions of a paralyzed individual?</a:t>
-            </a:r>
+              <a:t>Assist individuals with disabilities</a:t>
+            </a:r>
+            <a:endParaRPr lang="en-US" sz="2800" dirty="0" smtClean="0"/>
           </a:p>
           <a:p>
             <a:r>
               <a:rPr lang="en-US" sz="2800" dirty="0" smtClean="0"/>
-              <a:t>What would make individuals volunteer their times to help others?</a:t>
-            </a:r>
+              <a:t>Encourage individuals volunteer</a:t>
+            </a:r>
+            <a:endParaRPr lang="en-US" sz="2800" dirty="0" smtClean="0"/>
           </a:p>
         </p:txBody>
       </p:sp>
@@ -6022,65 +6032,32 @@
           </a:p>
         </p:txBody>
       </p:sp>
-      <p:sp>
-        <p:nvSpPr>
-          <p:cNvPr id="4" name="Rectangle 3"/>
-          <p:cNvSpPr/>
-          <p:nvPr/>
-        </p:nvSpPr>
+      <p:pic>
+        <p:nvPicPr>
+          <p:cNvPr id="3" name="Content Placeholder 2"/>
+          <p:cNvPicPr>
+            <a:picLocks noGrp="1" noChangeAspect="1"/>
+          </p:cNvPicPr>
+          <p:nvPr>
+            <p:ph idx="1"/>
+          </p:nvPr>
+        </p:nvPicPr>
+        <p:blipFill>
+          <a:blip r:embed="rId2"/>
+          <a:stretch>
+            <a:fillRect/>
+          </a:stretch>
+        </p:blipFill>
         <p:spPr>
           <a:xfrm>
-            <a:off x="4555512" y="3137152"/>
-            <a:ext cx="2392001" cy="923330"/>
+            <a:off x="1806224" y="1664785"/>
+            <a:ext cx="9011002" cy="5066215"/>
           </a:xfrm>
           <a:prstGeom prst="rect">
             <a:avLst/>
           </a:prstGeom>
-          <a:noFill/>
         </p:spPr>
-        <p:txBody>
-          <a:bodyPr wrap="none" lIns="91440" tIns="45720" rIns="91440" bIns="45720">
-            <a:spAutoFit/>
-          </a:bodyPr>
-          <a:lstStyle/>
-          <a:p>
-            <a:pPr algn="ctr"/>
-            <a:r>
-              <a:rPr lang="en-US" sz="5400" b="0" cap="none" spc="0" dirty="0" err="1" smtClean="0">
-                <a:ln w="0"/>
-                <a:gradFill>
-                  <a:gsLst>
-                    <a:gs pos="21000">
-                      <a:srgbClr val="53575C"/>
-                    </a:gs>
-                    <a:gs pos="88000">
-                      <a:srgbClr val="C5C7CA"/>
-                    </a:gs>
-                  </a:gsLst>
-                  <a:lin ang="5400000"/>
-                </a:gradFill>
-                <a:effectLst/>
-              </a:rPr>
-              <a:t>NoLimit</a:t>
-            </a:r>
-            <a:endParaRPr lang="en-US" sz="5400" b="0" cap="none" spc="0" dirty="0">
-              <a:ln w="0"/>
-              <a:gradFill>
-                <a:gsLst>
-                  <a:gs pos="21000">
-                    <a:srgbClr val="53575C"/>
-                  </a:gs>
-                  <a:gs pos="88000">
-                    <a:srgbClr val="C5C7CA"/>
-                  </a:gs>
-                </a:gsLst>
-                <a:lin ang="5400000"/>
-              </a:gradFill>
-              <a:effectLst/>
-            </a:endParaRPr>
-          </a:p>
-        </p:txBody>
-      </p:sp>
+      </p:pic>
     </p:spTree>
     <p:extLst>
       <p:ext uri="{BB962C8B-B14F-4D97-AF65-F5344CB8AC3E}">
@@ -6135,15 +6112,15 @@
           <a:p>
             <a:r>
               <a:rPr lang="en-US" dirty="0" smtClean="0"/>
-              <a:t>Limitations &amp; Challenges</a:t>
-            </a:r>
-            <a:endParaRPr lang="en-US" dirty="0"/>
-          </a:p>
-        </p:txBody>
-      </p:sp>
-      <p:sp>
-        <p:nvSpPr>
-          <p:cNvPr id="3" name="Content Placeholder 2"/>
+              <a:t>Features</a:t>
+            </a:r>
+            <a:endParaRPr lang="en-US" dirty="0"/>
+          </a:p>
+        </p:txBody>
+      </p:sp>
+      <p:sp>
+        <p:nvSpPr>
+          <p:cNvPr id="4" name="Content Placeholder 3"/>
           <p:cNvSpPr>
             <a:spLocks noGrp="1"/>
           </p:cNvSpPr>
@@ -6153,36 +6130,41 @@
         </p:nvSpPr>
         <p:spPr/>
         <p:txBody>
-          <a:bodyPr>
-            <a:normAutofit/>
-          </a:bodyPr>
-          <a:lstStyle/>
-          <a:p>
-            <a:r>
-              <a:rPr lang="en-US" sz="3200" dirty="0" smtClean="0"/>
-              <a:t>Compatibility Issues</a:t>
-            </a:r>
-          </a:p>
-          <a:p>
-            <a:r>
-              <a:rPr lang="en-US" sz="3200" dirty="0" err="1" smtClean="0"/>
-              <a:t>MeteorJs</a:t>
-            </a:r>
-            <a:endParaRPr lang="en-US" sz="3200" dirty="0" smtClean="0"/>
-          </a:p>
-          <a:p>
-            <a:r>
-              <a:rPr lang="en-US" sz="3200" dirty="0" smtClean="0"/>
-              <a:t>Location, Location, Location</a:t>
-            </a:r>
-            <a:endParaRPr lang="en-US" sz="3200" dirty="0"/>
-          </a:p>
-        </p:txBody>
-      </p:sp>
+          <a:bodyPr/>
+          <a:lstStyle/>
+          <a:p>
+            <a:endParaRPr lang="en-US"/>
+          </a:p>
+        </p:txBody>
+      </p:sp>
+      <p:pic>
+        <p:nvPicPr>
+          <p:cNvPr id="6" name="Picture 5"/>
+          <p:cNvPicPr>
+            <a:picLocks noChangeAspect="1"/>
+          </p:cNvPicPr>
+          <p:nvPr/>
+        </p:nvPicPr>
+        <p:blipFill>
+          <a:blip r:embed="rId2"/>
+          <a:stretch>
+            <a:fillRect/>
+          </a:stretch>
+        </p:blipFill>
+        <p:spPr>
+          <a:xfrm>
+            <a:off x="1228993" y="1752600"/>
+            <a:ext cx="8854808" cy="4978399"/>
+          </a:xfrm>
+          <a:prstGeom prst="rect">
+            <a:avLst/>
+          </a:prstGeom>
+        </p:spPr>
+      </p:pic>
     </p:spTree>
     <p:extLst>
       <p:ext uri="{BB962C8B-B14F-4D97-AF65-F5344CB8AC3E}">
-        <p14:creationId xmlns:p14="http://schemas.microsoft.com/office/powerpoint/2010/main" val="1628775543"/>
+        <p14:creationId xmlns:p14="http://schemas.microsoft.com/office/powerpoint/2010/main" val="1625037572"/>
       </p:ext>
     </p:extLst>
   </p:cSld>
@@ -6233,6 +6215,269 @@
           <a:p>
             <a:r>
               <a:rPr lang="en-US" dirty="0" smtClean="0"/>
+              <a:t>Features</a:t>
+            </a:r>
+            <a:endParaRPr lang="en-US" dirty="0"/>
+          </a:p>
+        </p:txBody>
+      </p:sp>
+      <p:sp>
+        <p:nvSpPr>
+          <p:cNvPr id="4" name="Content Placeholder 3"/>
+          <p:cNvSpPr>
+            <a:spLocks noGrp="1"/>
+          </p:cNvSpPr>
+          <p:nvPr>
+            <p:ph idx="1"/>
+          </p:nvPr>
+        </p:nvSpPr>
+        <p:spPr/>
+        <p:txBody>
+          <a:bodyPr/>
+          <a:lstStyle/>
+          <a:p>
+            <a:endParaRPr lang="en-US"/>
+          </a:p>
+        </p:txBody>
+      </p:sp>
+    </p:spTree>
+    <p:extLst>
+      <p:ext uri="{BB962C8B-B14F-4D97-AF65-F5344CB8AC3E}">
+        <p14:creationId xmlns:p14="http://schemas.microsoft.com/office/powerpoint/2010/main" val="2308223949"/>
+      </p:ext>
+    </p:extLst>
+  </p:cSld>
+  <p:clrMapOvr>
+    <a:masterClrMapping/>
+  </p:clrMapOvr>
+  <p:timing>
+    <p:tnLst>
+      <p:par>
+        <p:cTn id="1" dur="indefinite" restart="never" nodeType="tmRoot"/>
+      </p:par>
+    </p:tnLst>
+  </p:timing>
+</p:sld>
+</file>
+
+<file path=ppt/slides/slide6.xml><?xml version="1.0" encoding="utf-8"?>
+<p:sld xmlns:a="http://schemas.openxmlformats.org/drawingml/2006/main" xmlns:r="http://schemas.openxmlformats.org/officeDocument/2006/relationships" xmlns:p="http://schemas.openxmlformats.org/presentationml/2006/main">
+  <p:cSld>
+    <p:spTree>
+      <p:nvGrpSpPr>
+        <p:cNvPr id="1" name=""/>
+        <p:cNvGrpSpPr/>
+        <p:nvPr/>
+      </p:nvGrpSpPr>
+      <p:grpSpPr>
+        <a:xfrm>
+          <a:off x="0" y="0"/>
+          <a:ext cx="0" cy="0"/>
+          <a:chOff x="0" y="0"/>
+          <a:chExt cx="0" cy="0"/>
+        </a:xfrm>
+      </p:grpSpPr>
+      <p:sp>
+        <p:nvSpPr>
+          <p:cNvPr id="2" name="Title 1"/>
+          <p:cNvSpPr>
+            <a:spLocks noGrp="1"/>
+          </p:cNvSpPr>
+          <p:nvPr>
+            <p:ph type="title"/>
+          </p:nvPr>
+        </p:nvSpPr>
+        <p:spPr/>
+        <p:txBody>
+          <a:bodyPr/>
+          <a:lstStyle/>
+          <a:p>
+            <a:r>
+              <a:rPr lang="en-US" dirty="0" smtClean="0"/>
+              <a:t>Features</a:t>
+            </a:r>
+            <a:endParaRPr lang="en-US" dirty="0"/>
+          </a:p>
+        </p:txBody>
+      </p:sp>
+      <p:pic>
+        <p:nvPicPr>
+          <p:cNvPr id="3" name="Content Placeholder 2"/>
+          <p:cNvPicPr>
+            <a:picLocks noGrp="1" noChangeAspect="1"/>
+          </p:cNvPicPr>
+          <p:nvPr>
+            <p:ph idx="1"/>
+          </p:nvPr>
+        </p:nvPicPr>
+        <p:blipFill>
+          <a:blip r:embed="rId2"/>
+          <a:stretch>
+            <a:fillRect/>
+          </a:stretch>
+        </p:blipFill>
+        <p:spPr>
+          <a:xfrm>
+            <a:off x="1806224" y="1664785"/>
+            <a:ext cx="9011002" cy="5066215"/>
+          </a:xfrm>
+          <a:prstGeom prst="rect">
+            <a:avLst/>
+          </a:prstGeom>
+        </p:spPr>
+      </p:pic>
+    </p:spTree>
+    <p:extLst>
+      <p:ext uri="{BB962C8B-B14F-4D97-AF65-F5344CB8AC3E}">
+        <p14:creationId xmlns:p14="http://schemas.microsoft.com/office/powerpoint/2010/main" val="531691815"/>
+      </p:ext>
+    </p:extLst>
+  </p:cSld>
+  <p:clrMapOvr>
+    <a:masterClrMapping/>
+  </p:clrMapOvr>
+  <p:timing>
+    <p:tnLst>
+      <p:par>
+        <p:cTn id="1" dur="indefinite" restart="never" nodeType="tmRoot"/>
+      </p:par>
+    </p:tnLst>
+  </p:timing>
+</p:sld>
+</file>
+
+<file path=ppt/slides/slide7.xml><?xml version="1.0" encoding="utf-8"?>
+<p:sld xmlns:a="http://schemas.openxmlformats.org/drawingml/2006/main" xmlns:r="http://schemas.openxmlformats.org/officeDocument/2006/relationships" xmlns:p="http://schemas.openxmlformats.org/presentationml/2006/main">
+  <p:cSld>
+    <p:spTree>
+      <p:nvGrpSpPr>
+        <p:cNvPr id="1" name=""/>
+        <p:cNvGrpSpPr/>
+        <p:nvPr/>
+      </p:nvGrpSpPr>
+      <p:grpSpPr>
+        <a:xfrm>
+          <a:off x="0" y="0"/>
+          <a:ext cx="0" cy="0"/>
+          <a:chOff x="0" y="0"/>
+          <a:chExt cx="0" cy="0"/>
+        </a:xfrm>
+      </p:grpSpPr>
+      <p:sp>
+        <p:nvSpPr>
+          <p:cNvPr id="2" name="Title 1"/>
+          <p:cNvSpPr>
+            <a:spLocks noGrp="1"/>
+          </p:cNvSpPr>
+          <p:nvPr>
+            <p:ph type="title"/>
+          </p:nvPr>
+        </p:nvSpPr>
+        <p:spPr/>
+        <p:txBody>
+          <a:bodyPr/>
+          <a:lstStyle/>
+          <a:p>
+            <a:r>
+              <a:rPr lang="en-US" dirty="0" smtClean="0"/>
+              <a:t>Limitations &amp; Challenges</a:t>
+            </a:r>
+            <a:endParaRPr lang="en-US" dirty="0"/>
+          </a:p>
+        </p:txBody>
+      </p:sp>
+      <p:sp>
+        <p:nvSpPr>
+          <p:cNvPr id="3" name="Content Placeholder 2"/>
+          <p:cNvSpPr>
+            <a:spLocks noGrp="1"/>
+          </p:cNvSpPr>
+          <p:nvPr>
+            <p:ph idx="1"/>
+          </p:nvPr>
+        </p:nvSpPr>
+        <p:spPr/>
+        <p:txBody>
+          <a:bodyPr>
+            <a:normAutofit/>
+          </a:bodyPr>
+          <a:lstStyle/>
+          <a:p>
+            <a:r>
+              <a:rPr lang="en-US" sz="3200" dirty="0" smtClean="0"/>
+              <a:t>Compatibility Issues</a:t>
+            </a:r>
+          </a:p>
+          <a:p>
+            <a:r>
+              <a:rPr lang="en-US" sz="3200" dirty="0" err="1" smtClean="0"/>
+              <a:t>MeteorJs</a:t>
+            </a:r>
+            <a:endParaRPr lang="en-US" sz="3200" dirty="0" smtClean="0"/>
+          </a:p>
+          <a:p>
+            <a:r>
+              <a:rPr lang="en-US" sz="3200" dirty="0" smtClean="0"/>
+              <a:t>Location, Location, Location</a:t>
+            </a:r>
+            <a:endParaRPr lang="en-US" sz="3200" dirty="0"/>
+          </a:p>
+        </p:txBody>
+      </p:sp>
+    </p:spTree>
+    <p:extLst>
+      <p:ext uri="{BB962C8B-B14F-4D97-AF65-F5344CB8AC3E}">
+        <p14:creationId xmlns:p14="http://schemas.microsoft.com/office/powerpoint/2010/main" val="1628775543"/>
+      </p:ext>
+    </p:extLst>
+  </p:cSld>
+  <p:clrMapOvr>
+    <a:masterClrMapping/>
+  </p:clrMapOvr>
+  <p:timing>
+    <p:tnLst>
+      <p:par>
+        <p:cTn id="1" dur="indefinite" restart="never" nodeType="tmRoot"/>
+      </p:par>
+    </p:tnLst>
+  </p:timing>
+</p:sld>
+</file>
+
+<file path=ppt/slides/slide8.xml><?xml version="1.0" encoding="utf-8"?>
+<p:sld xmlns:a="http://schemas.openxmlformats.org/drawingml/2006/main" xmlns:r="http://schemas.openxmlformats.org/officeDocument/2006/relationships" xmlns:p="http://schemas.openxmlformats.org/presentationml/2006/main">
+  <p:cSld>
+    <p:spTree>
+      <p:nvGrpSpPr>
+        <p:cNvPr id="1" name=""/>
+        <p:cNvGrpSpPr/>
+        <p:nvPr/>
+      </p:nvGrpSpPr>
+      <p:grpSpPr>
+        <a:xfrm>
+          <a:off x="0" y="0"/>
+          <a:ext cx="0" cy="0"/>
+          <a:chOff x="0" y="0"/>
+          <a:chExt cx="0" cy="0"/>
+        </a:xfrm>
+      </p:grpSpPr>
+      <p:sp>
+        <p:nvSpPr>
+          <p:cNvPr id="2" name="Title 1"/>
+          <p:cNvSpPr>
+            <a:spLocks noGrp="1"/>
+          </p:cNvSpPr>
+          <p:nvPr>
+            <p:ph type="title"/>
+          </p:nvPr>
+        </p:nvSpPr>
+        <p:spPr/>
+        <p:txBody>
+          <a:bodyPr/>
+          <a:lstStyle/>
+          <a:p>
+            <a:r>
+              <a:rPr lang="en-US" dirty="0" smtClean="0"/>
               <a:t>Future Plans </a:t>
             </a:r>
             <a:endParaRPr lang="en-US" dirty="0"/>
@@ -6305,7 +6550,7 @@
 </p:sld>
 </file>
 
-<file path=ppt/slides/slide6.xml><?xml version="1.0" encoding="utf-8"?>
+<file path=ppt/slides/slide9.xml><?xml version="1.0" encoding="utf-8"?>
 <p:sld xmlns:a="http://schemas.openxmlformats.org/drawingml/2006/main" xmlns:r="http://schemas.openxmlformats.org/officeDocument/2006/relationships" xmlns:p="http://schemas.openxmlformats.org/presentationml/2006/main">
   <p:cSld>
     <p:spTree>

--- a/noLimit (Team-2).pptx
+++ b/noLimit (Team-2).pptx
@@ -5828,21 +5828,13 @@
           <a:p>
             <a:r>
               <a:rPr lang="en-US" dirty="0" smtClean="0"/>
-              <a:t>Monique </a:t>
-            </a:r>
+              <a:t>Monique Shotande </a:t>
+            </a:r>
+          </a:p>
+          <a:p>
             <a:r>
               <a:rPr lang="en-US" dirty="0" smtClean="0"/>
-              <a:t>Shotande </a:t>
-            </a:r>
-          </a:p>
-          <a:p>
-            <a:r>
-              <a:rPr lang="en-US" dirty="0" smtClean="0"/>
-              <a:t>Michael </a:t>
-            </a:r>
-            <a:r>
-              <a:rPr lang="en-US" dirty="0" smtClean="0"/>
-              <a:t>Dennis</a:t>
+              <a:t>Michael Dennis</a:t>
             </a:r>
           </a:p>
           <a:p>
@@ -5920,7 +5912,7 @@
           <a:p>
             <a:r>
               <a:rPr lang="en-US" dirty="0" smtClean="0"/>
-              <a:t>Motivation</a:t>
+              <a:t>Motivation &amp; Overview</a:t>
             </a:r>
             <a:endParaRPr lang="en-US" dirty="0"/>
           </a:p>
@@ -5961,14 +5953,12 @@
               <a:rPr lang="en-US" sz="2800" dirty="0" smtClean="0"/>
               <a:t>Assist individuals with disabilities</a:t>
             </a:r>
-            <a:endParaRPr lang="en-US" sz="2800" dirty="0" smtClean="0"/>
           </a:p>
           <a:p>
             <a:r>
               <a:rPr lang="en-US" sz="2800" dirty="0" smtClean="0"/>
               <a:t>Encourage individuals volunteer</a:t>
             </a:r>
-            <a:endParaRPr lang="en-US" sz="2800" dirty="0" smtClean="0"/>
           </a:p>
         </p:txBody>
       </p:sp>
@@ -6042,16 +6032,15 @@
             <p:ph idx="1"/>
           </p:nvPr>
         </p:nvPicPr>
-        <p:blipFill>
+        <p:blipFill rotWithShape="1">
           <a:blip r:embed="rId2"/>
-          <a:stretch>
-            <a:fillRect/>
-          </a:stretch>
+          <a:srcRect l="2662" t="13766"/>
+          <a:stretch/>
         </p:blipFill>
         <p:spPr>
           <a:xfrm>
-            <a:off x="1806224" y="1664785"/>
-            <a:ext cx="9011002" cy="5066215"/>
+            <a:off x="754018" y="1739900"/>
+            <a:ext cx="9994990" cy="4978400"/>
           </a:xfrm>
           <a:prstGeom prst="rect">
             <a:avLst/>
@@ -6118,25 +6107,6 @@
           </a:p>
         </p:txBody>
       </p:sp>
-      <p:sp>
-        <p:nvSpPr>
-          <p:cNvPr id="4" name="Content Placeholder 3"/>
-          <p:cNvSpPr>
-            <a:spLocks noGrp="1"/>
-          </p:cNvSpPr>
-          <p:nvPr>
-            <p:ph idx="1"/>
-          </p:nvPr>
-        </p:nvSpPr>
-        <p:spPr/>
-        <p:txBody>
-          <a:bodyPr/>
-          <a:lstStyle/>
-          <a:p>
-            <a:endParaRPr lang="en-US"/>
-          </a:p>
-        </p:txBody>
-      </p:sp>
       <p:pic>
         <p:nvPicPr>
           <p:cNvPr id="6" name="Picture 5"/>
@@ -6145,16 +6115,15 @@
           </p:cNvPicPr>
           <p:nvPr/>
         </p:nvPicPr>
-        <p:blipFill>
+        <p:blipFill rotWithShape="1">
           <a:blip r:embed="rId2"/>
-          <a:stretch>
-            <a:fillRect/>
-          </a:stretch>
+          <a:srcRect l="3979" t="14541" b="10968"/>
+          <a:stretch/>
         </p:blipFill>
         <p:spPr>
           <a:xfrm>
-            <a:off x="1228993" y="1752600"/>
-            <a:ext cx="8854808" cy="4978399"/>
+            <a:off x="545559" y="1816100"/>
+            <a:ext cx="11084330" cy="4834467"/>
           </a:xfrm>
           <a:prstGeom prst="rect">
             <a:avLst/>
@@ -6221,25 +6190,29 @@
           </a:p>
         </p:txBody>
       </p:sp>
-      <p:sp>
-        <p:nvSpPr>
-          <p:cNvPr id="4" name="Content Placeholder 3"/>
-          <p:cNvSpPr>
-            <a:spLocks noGrp="1"/>
-          </p:cNvSpPr>
-          <p:nvPr>
-            <p:ph idx="1"/>
-          </p:nvPr>
-        </p:nvSpPr>
-        <p:spPr/>
-        <p:txBody>
-          <a:bodyPr/>
-          <a:lstStyle/>
-          <a:p>
-            <a:endParaRPr lang="en-US"/>
-          </a:p>
-        </p:txBody>
-      </p:sp>
+      <p:pic>
+        <p:nvPicPr>
+          <p:cNvPr id="3" name="Picture 2"/>
+          <p:cNvPicPr>
+            <a:picLocks noChangeAspect="1"/>
+          </p:cNvPicPr>
+          <p:nvPr/>
+        </p:nvPicPr>
+        <p:blipFill rotWithShape="1">
+          <a:blip r:embed="rId2"/>
+          <a:srcRect l="6397" t="13726" r="5348" b="7912"/>
+          <a:stretch/>
+        </p:blipFill>
+        <p:spPr>
+          <a:xfrm>
+            <a:off x="731263" y="1727201"/>
+            <a:ext cx="10040499" cy="5012268"/>
+          </a:xfrm>
+          <a:prstGeom prst="rect">
+            <a:avLst/>
+          </a:prstGeom>
+        </p:spPr>
+      </p:pic>
     </p:spTree>
     <p:extLst>
       <p:ext uri="{BB962C8B-B14F-4D97-AF65-F5344CB8AC3E}">
@@ -6302,13 +6275,11 @@
       </p:sp>
       <p:pic>
         <p:nvPicPr>
-          <p:cNvPr id="3" name="Content Placeholder 2"/>
+          <p:cNvPr id="4" name="Picture 3"/>
           <p:cNvPicPr>
-            <a:picLocks noGrp="1" noChangeAspect="1"/>
+            <a:picLocks noChangeAspect="1"/>
           </p:cNvPicPr>
-          <p:nvPr>
-            <p:ph idx="1"/>
-          </p:nvPr>
+          <p:nvPr/>
         </p:nvPicPr>
         <p:blipFill>
           <a:blip r:embed="rId2"/>
@@ -6318,8 +6289,8 @@
         </p:blipFill>
         <p:spPr>
           <a:xfrm>
-            <a:off x="1806224" y="1664785"/>
-            <a:ext cx="9011002" cy="5066215"/>
+            <a:off x="2482675" y="1567554"/>
+            <a:ext cx="6610525" cy="5163445"/>
           </a:xfrm>
           <a:prstGeom prst="rect">
             <a:avLst/>
@@ -6409,18 +6380,26 @@
             </a:r>
           </a:p>
           <a:p>
-            <a:r>
-              <a:rPr lang="en-US" sz="3200" dirty="0" err="1" smtClean="0"/>
+            <a:pPr lvl="1"/>
+            <a:r>
+              <a:rPr lang="en-US" sz="3000" dirty="0" err="1" smtClean="0"/>
               <a:t>MeteorJs</a:t>
             </a:r>
-            <a:endParaRPr lang="en-US" sz="3200" dirty="0" smtClean="0"/>
+            <a:r>
+              <a:rPr lang="en-US" sz="3000" dirty="0" smtClean="0"/>
+              <a:t> + Bootstrap</a:t>
+            </a:r>
+            <a:endParaRPr lang="en-US" sz="3000" dirty="0" smtClean="0"/>
           </a:p>
           <a:p>
             <a:r>
               <a:rPr lang="en-US" sz="3200" dirty="0" smtClean="0"/>
-              <a:t>Location, Location, Location</a:t>
-            </a:r>
-            <a:endParaRPr lang="en-US" sz="3200" dirty="0"/>
+              <a:t>Location, Location, </a:t>
+            </a:r>
+            <a:r>
+              <a:rPr lang="en-US" sz="3200" dirty="0" smtClean="0"/>
+              <a:t>Location</a:t>
+            </a:r>
           </a:p>
         </p:txBody>
       </p:sp>
@@ -6519,12 +6498,14 @@
           </a:p>
           <a:p>
             <a:r>
-              <a:rPr lang="en-US" sz="3200" dirty="0"/>
-              <a:t>S</a:t>
-            </a:r>
-            <a:r>
               <a:rPr lang="en-US" sz="3200" dirty="0" smtClean="0"/>
-              <a:t>ponsors</a:t>
+              <a:t>Sponsorship</a:t>
+            </a:r>
+          </a:p>
+          <a:p>
+            <a:r>
+              <a:rPr lang="en-US" sz="3200" dirty="0" smtClean="0"/>
+              <a:t>Extend Hangout Feature</a:t>
             </a:r>
             <a:endParaRPr lang="en-US" sz="3200" dirty="0"/>
           </a:p>

--- a/noLimit (Team-2).pptx
+++ b/noLimit (Team-2).pptx
@@ -11,9 +11,8 @@
     <p:sldId id="262" r:id="rId5"/>
     <p:sldId id="263" r:id="rId6"/>
     <p:sldId id="264" r:id="rId7"/>
-    <p:sldId id="260" r:id="rId8"/>
-    <p:sldId id="259" r:id="rId9"/>
-    <p:sldId id="261" r:id="rId10"/>
+    <p:sldId id="259" r:id="rId8"/>
+    <p:sldId id="261" r:id="rId9"/>
   </p:sldIdLst>
   <p:sldSz cx="12192000" cy="6858000"/>
   <p:notesSz cx="6858000" cy="9144000"/>
@@ -6351,7 +6350,7 @@
           <a:p>
             <a:r>
               <a:rPr lang="en-US" dirty="0" smtClean="0"/>
-              <a:t>Limitations &amp; Challenges</a:t>
+              <a:t>Future Plans </a:t>
             </a:r>
             <a:endParaRPr lang="en-US" dirty="0"/>
           </a:p>
@@ -6376,112 +6375,6 @@
           <a:p>
             <a:r>
               <a:rPr lang="en-US" sz="3200" dirty="0" smtClean="0"/>
-              <a:t>Compatibility Issues</a:t>
-            </a:r>
-          </a:p>
-          <a:p>
-            <a:pPr lvl="1"/>
-            <a:r>
-              <a:rPr lang="en-US" sz="3000" dirty="0" err="1" smtClean="0"/>
-              <a:t>MeteorJs</a:t>
-            </a:r>
-            <a:r>
-              <a:rPr lang="en-US" sz="3000" dirty="0" smtClean="0"/>
-              <a:t> + Bootstrap</a:t>
-            </a:r>
-            <a:endParaRPr lang="en-US" sz="3000" dirty="0" smtClean="0"/>
-          </a:p>
-          <a:p>
-            <a:r>
-              <a:rPr lang="en-US" sz="3200" dirty="0" smtClean="0"/>
-              <a:t>Location, Location, </a:t>
-            </a:r>
-            <a:r>
-              <a:rPr lang="en-US" sz="3200" dirty="0" smtClean="0"/>
-              <a:t>Location</a:t>
-            </a:r>
-          </a:p>
-        </p:txBody>
-      </p:sp>
-    </p:spTree>
-    <p:extLst>
-      <p:ext uri="{BB962C8B-B14F-4D97-AF65-F5344CB8AC3E}">
-        <p14:creationId xmlns:p14="http://schemas.microsoft.com/office/powerpoint/2010/main" val="1628775543"/>
-      </p:ext>
-    </p:extLst>
-  </p:cSld>
-  <p:clrMapOvr>
-    <a:masterClrMapping/>
-  </p:clrMapOvr>
-  <p:timing>
-    <p:tnLst>
-      <p:par>
-        <p:cTn id="1" dur="indefinite" restart="never" nodeType="tmRoot"/>
-      </p:par>
-    </p:tnLst>
-  </p:timing>
-</p:sld>
-</file>
-
-<file path=ppt/slides/slide8.xml><?xml version="1.0" encoding="utf-8"?>
-<p:sld xmlns:a="http://schemas.openxmlformats.org/drawingml/2006/main" xmlns:r="http://schemas.openxmlformats.org/officeDocument/2006/relationships" xmlns:p="http://schemas.openxmlformats.org/presentationml/2006/main">
-  <p:cSld>
-    <p:spTree>
-      <p:nvGrpSpPr>
-        <p:cNvPr id="1" name=""/>
-        <p:cNvGrpSpPr/>
-        <p:nvPr/>
-      </p:nvGrpSpPr>
-      <p:grpSpPr>
-        <a:xfrm>
-          <a:off x="0" y="0"/>
-          <a:ext cx="0" cy="0"/>
-          <a:chOff x="0" y="0"/>
-          <a:chExt cx="0" cy="0"/>
-        </a:xfrm>
-      </p:grpSpPr>
-      <p:sp>
-        <p:nvSpPr>
-          <p:cNvPr id="2" name="Title 1"/>
-          <p:cNvSpPr>
-            <a:spLocks noGrp="1"/>
-          </p:cNvSpPr>
-          <p:nvPr>
-            <p:ph type="title"/>
-          </p:nvPr>
-        </p:nvSpPr>
-        <p:spPr/>
-        <p:txBody>
-          <a:bodyPr/>
-          <a:lstStyle/>
-          <a:p>
-            <a:r>
-              <a:rPr lang="en-US" dirty="0" smtClean="0"/>
-              <a:t>Future Plans </a:t>
-            </a:r>
-            <a:endParaRPr lang="en-US" dirty="0"/>
-          </a:p>
-        </p:txBody>
-      </p:sp>
-      <p:sp>
-        <p:nvSpPr>
-          <p:cNvPr id="3" name="Content Placeholder 2"/>
-          <p:cNvSpPr>
-            <a:spLocks noGrp="1"/>
-          </p:cNvSpPr>
-          <p:nvPr>
-            <p:ph idx="1"/>
-          </p:nvPr>
-        </p:nvSpPr>
-        <p:spPr/>
-        <p:txBody>
-          <a:bodyPr>
-            <a:normAutofit/>
-          </a:bodyPr>
-          <a:lstStyle/>
-          <a:p>
-            <a:r>
-              <a:rPr lang="en-US" sz="3200" dirty="0" smtClean="0"/>
               <a:t>Extended to Android and </a:t>
             </a:r>
             <a:r>
@@ -6505,7 +6398,17 @@
           <a:p>
             <a:r>
               <a:rPr lang="en-US" sz="3200" dirty="0" smtClean="0"/>
-              <a:t>Extend Hangout Feature</a:t>
+              <a:t>Extend Hangout </a:t>
+            </a:r>
+            <a:r>
+              <a:rPr lang="en-US" sz="3200" dirty="0" smtClean="0"/>
+              <a:t>Feature</a:t>
+            </a:r>
+          </a:p>
+          <a:p>
+            <a:r>
+              <a:rPr lang="en-US" sz="3200" smtClean="0"/>
+              <a:t>Social Media</a:t>
             </a:r>
             <a:endParaRPr lang="en-US" sz="3200" dirty="0"/>
           </a:p>
@@ -6531,7 +6434,7 @@
 </p:sld>
 </file>
 
-<file path=ppt/slides/slide9.xml><?xml version="1.0" encoding="utf-8"?>
+<file path=ppt/slides/slide8.xml><?xml version="1.0" encoding="utf-8"?>
 <p:sld xmlns:a="http://schemas.openxmlformats.org/drawingml/2006/main" xmlns:r="http://schemas.openxmlformats.org/officeDocument/2006/relationships" xmlns:p="http://schemas.openxmlformats.org/presentationml/2006/main">
   <p:cSld>
     <p:spTree>

--- a/noLimit (Team-2).pptx
+++ b/noLimit (Team-2).pptx
@@ -8,11 +8,8 @@
     <p:sldId id="256" r:id="rId2"/>
     <p:sldId id="257" r:id="rId3"/>
     <p:sldId id="258" r:id="rId4"/>
-    <p:sldId id="262" r:id="rId5"/>
-    <p:sldId id="263" r:id="rId6"/>
-    <p:sldId id="264" r:id="rId7"/>
-    <p:sldId id="259" r:id="rId8"/>
-    <p:sldId id="261" r:id="rId9"/>
+    <p:sldId id="259" r:id="rId5"/>
+    <p:sldId id="261" r:id="rId6"/>
   </p:sldIdLst>
   <p:sldSz cx="12192000" cy="6858000"/>
   <p:notesSz cx="6858000" cy="9144000"/>
@@ -6023,7 +6020,9 @@
       </p:sp>
       <p:pic>
         <p:nvPicPr>
-          <p:cNvPr id="3" name="Content Placeholder 2"/>
+          <p:cNvPr id="3" name="Content Placeholder 2">
+            <a:hlinkClick r:id="rId2"/>
+          </p:cNvPr>
           <p:cNvPicPr>
             <a:picLocks noGrp="1" noChangeAspect="1"/>
           </p:cNvPicPr>
@@ -6032,7 +6031,7 @@
           </p:nvPr>
         </p:nvPicPr>
         <p:blipFill rotWithShape="1">
-          <a:blip r:embed="rId2"/>
+          <a:blip r:embed="rId3"/>
           <a:srcRect l="2662" t="13766"/>
           <a:stretch/>
         </p:blipFill>
@@ -6100,276 +6099,30 @@
           <a:p>
             <a:r>
               <a:rPr lang="en-US" dirty="0" smtClean="0"/>
-              <a:t>Features</a:t>
-            </a:r>
-            <a:endParaRPr lang="en-US" dirty="0"/>
-          </a:p>
-        </p:txBody>
-      </p:sp>
-      <p:pic>
-        <p:nvPicPr>
-          <p:cNvPr id="6" name="Picture 5"/>
-          <p:cNvPicPr>
-            <a:picLocks noChangeAspect="1"/>
-          </p:cNvPicPr>
-          <p:nvPr/>
-        </p:nvPicPr>
-        <p:blipFill rotWithShape="1">
-          <a:blip r:embed="rId2"/>
-          <a:srcRect l="3979" t="14541" b="10968"/>
-          <a:stretch/>
-        </p:blipFill>
-        <p:spPr>
-          <a:xfrm>
-            <a:off x="545559" y="1816100"/>
-            <a:ext cx="11084330" cy="4834467"/>
-          </a:xfrm>
-          <a:prstGeom prst="rect">
-            <a:avLst/>
-          </a:prstGeom>
-        </p:spPr>
-      </p:pic>
-    </p:spTree>
-    <p:extLst>
-      <p:ext uri="{BB962C8B-B14F-4D97-AF65-F5344CB8AC3E}">
-        <p14:creationId xmlns:p14="http://schemas.microsoft.com/office/powerpoint/2010/main" val="1625037572"/>
-      </p:ext>
-    </p:extLst>
-  </p:cSld>
-  <p:clrMapOvr>
-    <a:masterClrMapping/>
-  </p:clrMapOvr>
-  <p:timing>
-    <p:tnLst>
-      <p:par>
-        <p:cTn id="1" dur="indefinite" restart="never" nodeType="tmRoot"/>
-      </p:par>
-    </p:tnLst>
-  </p:timing>
-</p:sld>
-</file>
-
-<file path=ppt/slides/slide5.xml><?xml version="1.0" encoding="utf-8"?>
-<p:sld xmlns:a="http://schemas.openxmlformats.org/drawingml/2006/main" xmlns:r="http://schemas.openxmlformats.org/officeDocument/2006/relationships" xmlns:p="http://schemas.openxmlformats.org/presentationml/2006/main">
-  <p:cSld>
-    <p:spTree>
-      <p:nvGrpSpPr>
-        <p:cNvPr id="1" name=""/>
-        <p:cNvGrpSpPr/>
-        <p:nvPr/>
-      </p:nvGrpSpPr>
-      <p:grpSpPr>
-        <a:xfrm>
-          <a:off x="0" y="0"/>
-          <a:ext cx="0" cy="0"/>
-          <a:chOff x="0" y="0"/>
-          <a:chExt cx="0" cy="0"/>
-        </a:xfrm>
-      </p:grpSpPr>
-      <p:sp>
-        <p:nvSpPr>
-          <p:cNvPr id="2" name="Title 1"/>
-          <p:cNvSpPr>
-            <a:spLocks noGrp="1"/>
-          </p:cNvSpPr>
-          <p:nvPr>
-            <p:ph type="title"/>
+              <a:t>Future </a:t>
+            </a:r>
+            <a:r>
+              <a:rPr lang="en-US" dirty="0" smtClean="0"/>
+              <a:t>Enhancements</a:t>
+            </a:r>
+            <a:endParaRPr lang="en-US" dirty="0"/>
+          </a:p>
+        </p:txBody>
+      </p:sp>
+      <p:sp>
+        <p:nvSpPr>
+          <p:cNvPr id="3" name="Content Placeholder 2"/>
+          <p:cNvSpPr>
+            <a:spLocks noGrp="1"/>
+          </p:cNvSpPr>
+          <p:nvPr>
+            <p:ph idx="1"/>
           </p:nvPr>
         </p:nvSpPr>
         <p:spPr/>
         <p:txBody>
-          <a:bodyPr/>
-          <a:lstStyle/>
-          <a:p>
-            <a:r>
-              <a:rPr lang="en-US" dirty="0" smtClean="0"/>
-              <a:t>Features</a:t>
-            </a:r>
-            <a:endParaRPr lang="en-US" dirty="0"/>
-          </a:p>
-        </p:txBody>
-      </p:sp>
-      <p:pic>
-        <p:nvPicPr>
-          <p:cNvPr id="3" name="Picture 2"/>
-          <p:cNvPicPr>
-            <a:picLocks noChangeAspect="1"/>
-          </p:cNvPicPr>
-          <p:nvPr/>
-        </p:nvPicPr>
-        <p:blipFill rotWithShape="1">
-          <a:blip r:embed="rId2"/>
-          <a:srcRect l="6397" t="13726" r="5348" b="7912"/>
-          <a:stretch/>
-        </p:blipFill>
-        <p:spPr>
-          <a:xfrm>
-            <a:off x="731263" y="1727201"/>
-            <a:ext cx="10040499" cy="5012268"/>
-          </a:xfrm>
-          <a:prstGeom prst="rect">
-            <a:avLst/>
-          </a:prstGeom>
-        </p:spPr>
-      </p:pic>
-    </p:spTree>
-    <p:extLst>
-      <p:ext uri="{BB962C8B-B14F-4D97-AF65-F5344CB8AC3E}">
-        <p14:creationId xmlns:p14="http://schemas.microsoft.com/office/powerpoint/2010/main" val="2308223949"/>
-      </p:ext>
-    </p:extLst>
-  </p:cSld>
-  <p:clrMapOvr>
-    <a:masterClrMapping/>
-  </p:clrMapOvr>
-  <p:timing>
-    <p:tnLst>
-      <p:par>
-        <p:cTn id="1" dur="indefinite" restart="never" nodeType="tmRoot"/>
-      </p:par>
-    </p:tnLst>
-  </p:timing>
-</p:sld>
-</file>
-
-<file path=ppt/slides/slide6.xml><?xml version="1.0" encoding="utf-8"?>
-<p:sld xmlns:a="http://schemas.openxmlformats.org/drawingml/2006/main" xmlns:r="http://schemas.openxmlformats.org/officeDocument/2006/relationships" xmlns:p="http://schemas.openxmlformats.org/presentationml/2006/main">
-  <p:cSld>
-    <p:spTree>
-      <p:nvGrpSpPr>
-        <p:cNvPr id="1" name=""/>
-        <p:cNvGrpSpPr/>
-        <p:nvPr/>
-      </p:nvGrpSpPr>
-      <p:grpSpPr>
-        <a:xfrm>
-          <a:off x="0" y="0"/>
-          <a:ext cx="0" cy="0"/>
-          <a:chOff x="0" y="0"/>
-          <a:chExt cx="0" cy="0"/>
-        </a:xfrm>
-      </p:grpSpPr>
-      <p:sp>
-        <p:nvSpPr>
-          <p:cNvPr id="2" name="Title 1"/>
-          <p:cNvSpPr>
-            <a:spLocks noGrp="1"/>
-          </p:cNvSpPr>
-          <p:nvPr>
-            <p:ph type="title"/>
-          </p:nvPr>
-        </p:nvSpPr>
-        <p:spPr/>
-        <p:txBody>
-          <a:bodyPr/>
-          <a:lstStyle/>
-          <a:p>
-            <a:r>
-              <a:rPr lang="en-US" dirty="0" smtClean="0"/>
-              <a:t>Features</a:t>
-            </a:r>
-            <a:endParaRPr lang="en-US" dirty="0"/>
-          </a:p>
-        </p:txBody>
-      </p:sp>
-      <p:pic>
-        <p:nvPicPr>
-          <p:cNvPr id="4" name="Picture 3"/>
-          <p:cNvPicPr>
-            <a:picLocks noChangeAspect="1"/>
-          </p:cNvPicPr>
-          <p:nvPr/>
-        </p:nvPicPr>
-        <p:blipFill>
-          <a:blip r:embed="rId2"/>
-          <a:stretch>
-            <a:fillRect/>
-          </a:stretch>
-        </p:blipFill>
-        <p:spPr>
-          <a:xfrm>
-            <a:off x="2482675" y="1567554"/>
-            <a:ext cx="6610525" cy="5163445"/>
-          </a:xfrm>
-          <a:prstGeom prst="rect">
-            <a:avLst/>
-          </a:prstGeom>
-        </p:spPr>
-      </p:pic>
-    </p:spTree>
-    <p:extLst>
-      <p:ext uri="{BB962C8B-B14F-4D97-AF65-F5344CB8AC3E}">
-        <p14:creationId xmlns:p14="http://schemas.microsoft.com/office/powerpoint/2010/main" val="531691815"/>
-      </p:ext>
-    </p:extLst>
-  </p:cSld>
-  <p:clrMapOvr>
-    <a:masterClrMapping/>
-  </p:clrMapOvr>
-  <p:timing>
-    <p:tnLst>
-      <p:par>
-        <p:cTn id="1" dur="indefinite" restart="never" nodeType="tmRoot"/>
-      </p:par>
-    </p:tnLst>
-  </p:timing>
-</p:sld>
-</file>
-
-<file path=ppt/slides/slide7.xml><?xml version="1.0" encoding="utf-8"?>
-<p:sld xmlns:a="http://schemas.openxmlformats.org/drawingml/2006/main" xmlns:r="http://schemas.openxmlformats.org/officeDocument/2006/relationships" xmlns:p="http://schemas.openxmlformats.org/presentationml/2006/main">
-  <p:cSld>
-    <p:spTree>
-      <p:nvGrpSpPr>
-        <p:cNvPr id="1" name=""/>
-        <p:cNvGrpSpPr/>
-        <p:nvPr/>
-      </p:nvGrpSpPr>
-      <p:grpSpPr>
-        <a:xfrm>
-          <a:off x="0" y="0"/>
-          <a:ext cx="0" cy="0"/>
-          <a:chOff x="0" y="0"/>
-          <a:chExt cx="0" cy="0"/>
-        </a:xfrm>
-      </p:grpSpPr>
-      <p:sp>
-        <p:nvSpPr>
-          <p:cNvPr id="2" name="Title 1"/>
-          <p:cNvSpPr>
-            <a:spLocks noGrp="1"/>
-          </p:cNvSpPr>
-          <p:nvPr>
-            <p:ph type="title"/>
-          </p:nvPr>
-        </p:nvSpPr>
-        <p:spPr/>
-        <p:txBody>
-          <a:bodyPr/>
-          <a:lstStyle/>
-          <a:p>
-            <a:r>
-              <a:rPr lang="en-US" dirty="0" smtClean="0"/>
-              <a:t>Future Plans </a:t>
-            </a:r>
-            <a:endParaRPr lang="en-US" dirty="0"/>
-          </a:p>
-        </p:txBody>
-      </p:sp>
-      <p:sp>
-        <p:nvSpPr>
-          <p:cNvPr id="3" name="Content Placeholder 2"/>
-          <p:cNvSpPr>
-            <a:spLocks noGrp="1"/>
-          </p:cNvSpPr>
-          <p:nvPr>
-            <p:ph idx="1"/>
-          </p:nvPr>
-        </p:nvSpPr>
-        <p:spPr/>
-        <p:txBody>
           <a:bodyPr>
-            <a:normAutofit/>
+            <a:normAutofit lnSpcReduction="10000"/>
           </a:bodyPr>
           <a:lstStyle/>
           <a:p>
@@ -6398,17 +6151,23 @@
           <a:p>
             <a:r>
               <a:rPr lang="en-US" sz="3200" dirty="0" smtClean="0"/>
-              <a:t>Extend Hangout </a:t>
-            </a:r>
+              <a:t>Extend Hangout Feature</a:t>
+            </a:r>
+          </a:p>
+          <a:p>
             <a:r>
               <a:rPr lang="en-US" sz="3200" dirty="0" smtClean="0"/>
-              <a:t>Feature</a:t>
-            </a:r>
-          </a:p>
-          <a:p>
-            <a:r>
-              <a:rPr lang="en-US" sz="3200" smtClean="0"/>
-              <a:t>Social Media</a:t>
+              <a:t>Social </a:t>
+            </a:r>
+            <a:r>
+              <a:rPr lang="en-US" sz="3200" dirty="0" smtClean="0"/>
+              <a:t>Media</a:t>
+            </a:r>
+          </a:p>
+          <a:p>
+            <a:r>
+              <a:rPr lang="en-US" sz="3200" dirty="0" smtClean="0"/>
+              <a:t>Audio-enabled reviews</a:t>
             </a:r>
             <a:endParaRPr lang="en-US" sz="3200" dirty="0"/>
           </a:p>
@@ -6434,7 +6193,7 @@
 </p:sld>
 </file>
 
-<file path=ppt/slides/slide8.xml><?xml version="1.0" encoding="utf-8"?>
+<file path=ppt/slides/slide5.xml><?xml version="1.0" encoding="utf-8"?>
 <p:sld xmlns:a="http://schemas.openxmlformats.org/drawingml/2006/main" xmlns:r="http://schemas.openxmlformats.org/officeDocument/2006/relationships" xmlns:p="http://schemas.openxmlformats.org/presentationml/2006/main">
   <p:cSld>
     <p:spTree>
